--- a/readme.pptx
+++ b/readme.pptx
@@ -5,7 +5,7 @@
     <p:sldMasterId id="2147483648" r:id="rId1"/>
   </p:sldMasterIdLst>
   <p:sldIdLst>
-    <p:sldId id="256" r:id="rId2"/>
+    <p:sldId id="259" r:id="rId2"/>
     <p:sldId id="257" r:id="rId3"/>
     <p:sldId id="258" r:id="rId4"/>
   </p:sldIdLst>
@@ -3611,10 +3611,76 @@
           <a:chExt cx="0" cy="0"/>
         </a:xfrm>
       </p:grpSpPr>
+      <p:sp>
+        <p:nvSpPr>
+          <p:cNvPr id="2" name="タイトル 1">
+            <a:extLst>
+              <a:ext uri="{FF2B5EF4-FFF2-40B4-BE49-F238E27FC236}">
+                <a16:creationId xmlns:a16="http://schemas.microsoft.com/office/drawing/2014/main" id="{136B20CF-1A03-6A4A-84BD-69C831D1B915}"/>
+              </a:ext>
+            </a:extLst>
+          </p:cNvPr>
+          <p:cNvSpPr>
+            <a:spLocks noGrp="1"/>
+          </p:cNvSpPr>
+          <p:nvPr>
+            <p:ph type="ctrTitle"/>
+          </p:nvPr>
+        </p:nvSpPr>
+        <p:spPr/>
+        <p:txBody>
+          <a:bodyPr/>
+          <a:lstStyle/>
+          <a:p>
+            <a:r>
+              <a:rPr kumimoji="1" lang="en-US" altLang="ja-JP" dirty="0"/>
+              <a:t>k8s </a:t>
+            </a:r>
+            <a:r>
+              <a:rPr kumimoji="1" lang="en-US" altLang="ja-JP" dirty="0" err="1"/>
+              <a:t>cicd</a:t>
+            </a:r>
+            <a:r>
+              <a:rPr kumimoji="1" lang="en-US" altLang="ja-JP" dirty="0"/>
+              <a:t> with </a:t>
+            </a:r>
+            <a:r>
+              <a:rPr kumimoji="1" lang="en-US" altLang="ja-JP" dirty="0" err="1"/>
+              <a:t>jenkins</a:t>
+            </a:r>
+            <a:endParaRPr kumimoji="1" lang="ja-JP" altLang="en-US"/>
+          </a:p>
+        </p:txBody>
+      </p:sp>
+      <p:sp>
+        <p:nvSpPr>
+          <p:cNvPr id="3" name="字幕 2">
+            <a:extLst>
+              <a:ext uri="{FF2B5EF4-FFF2-40B4-BE49-F238E27FC236}">
+                <a16:creationId xmlns:a16="http://schemas.microsoft.com/office/drawing/2014/main" id="{9461F6FD-449B-6847-844A-A1F682D413FE}"/>
+              </a:ext>
+            </a:extLst>
+          </p:cNvPr>
+          <p:cNvSpPr>
+            <a:spLocks noGrp="1"/>
+          </p:cNvSpPr>
+          <p:nvPr>
+            <p:ph type="subTitle" idx="1"/>
+          </p:nvPr>
+        </p:nvSpPr>
+        <p:spPr/>
+        <p:txBody>
+          <a:bodyPr/>
+          <a:lstStyle/>
+          <a:p>
+            <a:endParaRPr kumimoji="1" lang="ja-JP" altLang="en-US"/>
+          </a:p>
+        </p:txBody>
+      </p:sp>
     </p:spTree>
     <p:extLst>
       <p:ext uri="{BB962C8B-B14F-4D97-AF65-F5344CB8AC3E}">
-        <p14:creationId xmlns:p14="http://schemas.microsoft.com/office/powerpoint/2010/main" val="1867939574"/>
+        <p14:creationId xmlns:p14="http://schemas.microsoft.com/office/powerpoint/2010/main" val="3416448112"/>
       </p:ext>
     </p:extLst>
   </p:cSld>
@@ -4443,7 +4509,7 @@
           <a:p>
             <a:r>
               <a:rPr kumimoji="1" lang="en-US" altLang="ja-JP" dirty="0"/>
-              <a:t>design</a:t>
+              <a:t>app structure</a:t>
             </a:r>
             <a:endParaRPr kumimoji="1" lang="ja-JP" altLang="en-US"/>
           </a:p>
@@ -4681,6 +4747,190 @@
           </a:fontRef>
         </p:style>
       </p:cxnSp>
+      <p:sp>
+        <p:nvSpPr>
+          <p:cNvPr id="3" name="テキスト ボックス 2">
+            <a:extLst>
+              <a:ext uri="{FF2B5EF4-FFF2-40B4-BE49-F238E27FC236}">
+                <a16:creationId xmlns:a16="http://schemas.microsoft.com/office/drawing/2014/main" id="{D67C1E67-9839-0141-B104-6FFAB68BBED1}"/>
+              </a:ext>
+            </a:extLst>
+          </p:cNvPr>
+          <p:cNvSpPr txBox="1"/>
+          <p:nvPr/>
+        </p:nvSpPr>
+        <p:spPr>
+          <a:xfrm>
+            <a:off x="1393224" y="4135822"/>
+            <a:ext cx="1217000" cy="369332"/>
+          </a:xfrm>
+          <a:prstGeom prst="rect">
+            <a:avLst/>
+          </a:prstGeom>
+          <a:noFill/>
+        </p:spPr>
+        <p:txBody>
+          <a:bodyPr wrap="none" rtlCol="0">
+            <a:spAutoFit/>
+          </a:bodyPr>
+          <a:lstStyle/>
+          <a:p>
+            <a:r>
+              <a:rPr kumimoji="1" lang="en-US" altLang="ja-JP" dirty="0" err="1"/>
+              <a:t>javascript</a:t>
+            </a:r>
+            <a:endParaRPr kumimoji="1" lang="ja-JP" altLang="en-US"/>
+          </a:p>
+        </p:txBody>
+      </p:sp>
+      <p:sp>
+        <p:nvSpPr>
+          <p:cNvPr id="9" name="テキスト ボックス 8">
+            <a:extLst>
+              <a:ext uri="{FF2B5EF4-FFF2-40B4-BE49-F238E27FC236}">
+                <a16:creationId xmlns:a16="http://schemas.microsoft.com/office/drawing/2014/main" id="{453129B8-DBFD-B24A-9D6E-654974A80C82}"/>
+              </a:ext>
+            </a:extLst>
+          </p:cNvPr>
+          <p:cNvSpPr txBox="1"/>
+          <p:nvPr/>
+        </p:nvSpPr>
+        <p:spPr>
+          <a:xfrm>
+            <a:off x="5417769" y="4135822"/>
+            <a:ext cx="914033" cy="369332"/>
+          </a:xfrm>
+          <a:prstGeom prst="rect">
+            <a:avLst/>
+          </a:prstGeom>
+          <a:noFill/>
+        </p:spPr>
+        <p:txBody>
+          <a:bodyPr wrap="none" rtlCol="0">
+            <a:spAutoFit/>
+          </a:bodyPr>
+          <a:lstStyle/>
+          <a:p>
+            <a:r>
+              <a:rPr kumimoji="1" lang="en-US" altLang="ja-JP" dirty="0"/>
+              <a:t>python</a:t>
+            </a:r>
+            <a:endParaRPr kumimoji="1" lang="ja-JP" altLang="en-US"/>
+          </a:p>
+        </p:txBody>
+      </p:sp>
+      <p:sp>
+        <p:nvSpPr>
+          <p:cNvPr id="11" name="テキスト ボックス 10">
+            <a:extLst>
+              <a:ext uri="{FF2B5EF4-FFF2-40B4-BE49-F238E27FC236}">
+                <a16:creationId xmlns:a16="http://schemas.microsoft.com/office/drawing/2014/main" id="{3A14138B-4F39-6144-B65C-3CF611847FF2}"/>
+              </a:ext>
+            </a:extLst>
+          </p:cNvPr>
+          <p:cNvSpPr txBox="1"/>
+          <p:nvPr/>
+        </p:nvSpPr>
+        <p:spPr>
+          <a:xfrm>
+            <a:off x="3348999" y="2731463"/>
+            <a:ext cx="1205779" cy="369332"/>
+          </a:xfrm>
+          <a:prstGeom prst="rect">
+            <a:avLst/>
+          </a:prstGeom>
+          <a:noFill/>
+        </p:spPr>
+        <p:txBody>
+          <a:bodyPr wrap="none" rtlCol="0">
+            <a:spAutoFit/>
+          </a:bodyPr>
+          <a:lstStyle/>
+          <a:p>
+            <a:r>
+              <a:rPr kumimoji="1" lang="en-US" altLang="ja-JP" dirty="0"/>
+              <a:t>REST API</a:t>
+            </a:r>
+            <a:endParaRPr kumimoji="1" lang="ja-JP" altLang="en-US"/>
+          </a:p>
+        </p:txBody>
+      </p:sp>
+      <p:sp>
+        <p:nvSpPr>
+          <p:cNvPr id="12" name="テキスト ボックス 11">
+            <a:extLst>
+              <a:ext uri="{FF2B5EF4-FFF2-40B4-BE49-F238E27FC236}">
+                <a16:creationId xmlns:a16="http://schemas.microsoft.com/office/drawing/2014/main" id="{C53A0B42-B737-6346-8DA9-21AD59931AAA}"/>
+              </a:ext>
+            </a:extLst>
+          </p:cNvPr>
+          <p:cNvSpPr txBox="1"/>
+          <p:nvPr/>
+        </p:nvSpPr>
+        <p:spPr>
+          <a:xfrm>
+            <a:off x="7194794" y="2731463"/>
+            <a:ext cx="1152880" cy="369332"/>
+          </a:xfrm>
+          <a:prstGeom prst="rect">
+            <a:avLst/>
+          </a:prstGeom>
+          <a:noFill/>
+        </p:spPr>
+        <p:txBody>
+          <a:bodyPr wrap="none" rtlCol="0">
+            <a:spAutoFit/>
+          </a:bodyPr>
+          <a:lstStyle/>
+          <a:p>
+            <a:r>
+              <a:rPr kumimoji="1" lang="en-US" altLang="ja-JP" dirty="0"/>
+              <a:t>use </a:t>
+            </a:r>
+            <a:r>
+              <a:rPr kumimoji="1" lang="en-US" altLang="ja-JP" dirty="0" err="1"/>
+              <a:t>redis</a:t>
+            </a:r>
+            <a:endParaRPr kumimoji="1" lang="ja-JP" altLang="en-US"/>
+          </a:p>
+        </p:txBody>
+      </p:sp>
+      <p:sp>
+        <p:nvSpPr>
+          <p:cNvPr id="13" name="テキスト ボックス 12">
+            <a:extLst>
+              <a:ext uri="{FF2B5EF4-FFF2-40B4-BE49-F238E27FC236}">
+                <a16:creationId xmlns:a16="http://schemas.microsoft.com/office/drawing/2014/main" id="{88C798BE-11D7-2244-ACAC-C617204EE444}"/>
+              </a:ext>
+            </a:extLst>
+          </p:cNvPr>
+          <p:cNvSpPr txBox="1"/>
+          <p:nvPr/>
+        </p:nvSpPr>
+        <p:spPr>
+          <a:xfrm>
+            <a:off x="9394225" y="4135822"/>
+            <a:ext cx="707245" cy="369332"/>
+          </a:xfrm>
+          <a:prstGeom prst="rect">
+            <a:avLst/>
+          </a:prstGeom>
+          <a:noFill/>
+        </p:spPr>
+        <p:txBody>
+          <a:bodyPr wrap="none" rtlCol="0">
+            <a:spAutoFit/>
+          </a:bodyPr>
+          <a:lstStyle/>
+          <a:p>
+            <a:r>
+              <a:rPr kumimoji="1" lang="en-US" altLang="ja-JP" dirty="0" err="1"/>
+              <a:t>redis</a:t>
+            </a:r>
+            <a:endParaRPr kumimoji="1" lang="ja-JP" altLang="en-US"/>
+          </a:p>
+        </p:txBody>
+      </p:sp>
     </p:spTree>
     <p:extLst>
       <p:ext uri="{BB962C8B-B14F-4D97-AF65-F5344CB8AC3E}">
